--- a/scenario1/rm/T101389-s1-v20210927.pptx
+++ b/scenario1/rm/T101389-s1-v20210927.pptx
@@ -4141,7 +4141,7 @@
         </p:spPr>
         <p:txBody>
           <a:bodyPr>
-            <a:normAutofit fontScale="90000"/>
+            <a:normAutofit/>
           </a:bodyPr>
           <a:lstStyle/>
           <a:p>
@@ -4153,7 +4153,7 @@
                 <a:effectLst/>
                 <a:latin typeface="-apple-system"/>
               </a:rPr>
-              <a:t>Demo: Unified Data Catalog for Aircraft Images</a:t>
+              <a:t>Unified Data Catalog for Imaging Analytics</a:t>
             </a:r>
             <a:endParaRPr lang="en-US" sz="4000" dirty="0"/>
           </a:p>
